--- a/tugas-sekolah/Agama/Sila.pptx
+++ b/tugas-sekolah/Agama/Sila.pptx
@@ -1174,6 +1174,13 @@
         </dgm:presLayoutVars>
       </dgm:prSet>
       <dgm:spPr/>
+      <dgm:t>
+        <a:bodyPr/>
+        <a:lstStyle/>
+        <a:p>
+          <a:endParaRPr lang="en-US"/>
+        </a:p>
+      </dgm:t>
     </dgm:pt>
     <dgm:pt modelId="{BE07FD87-579B-4BB2-A51E-EF5C00D1FE2A}" type="pres">
       <dgm:prSet presAssocID="{42D4FD08-90C5-4832-A74E-4CA35B229417}" presName="hierRoot1" presStyleCnt="0">
@@ -1194,10 +1201,24 @@
         </dgm:presLayoutVars>
       </dgm:prSet>
       <dgm:spPr/>
+      <dgm:t>
+        <a:bodyPr/>
+        <a:lstStyle/>
+        <a:p>
+          <a:endParaRPr lang="en-US"/>
+        </a:p>
+      </dgm:t>
     </dgm:pt>
     <dgm:pt modelId="{CC7FB150-2B5D-4C95-B60F-911DD85550F9}" type="pres">
       <dgm:prSet presAssocID="{42D4FD08-90C5-4832-A74E-4CA35B229417}" presName="rootConnector1" presStyleLbl="node1" presStyleIdx="0" presStyleCnt="0"/>
       <dgm:spPr/>
+      <dgm:t>
+        <a:bodyPr/>
+        <a:lstStyle/>
+        <a:p>
+          <a:endParaRPr lang="en-US"/>
+        </a:p>
+      </dgm:t>
     </dgm:pt>
     <dgm:pt modelId="{88B54FDB-B711-4D8B-9FFC-CB1713FF0918}" type="pres">
       <dgm:prSet presAssocID="{42D4FD08-90C5-4832-A74E-4CA35B229417}" presName="hierChild2" presStyleCnt="0"/>
@@ -1206,6 +1227,13 @@
     <dgm:pt modelId="{5321AF62-FB19-4D1B-8551-34E79585A3CE}" type="pres">
       <dgm:prSet presAssocID="{2D6FF46B-970C-4C6A-8989-263960E256DF}" presName="Name37" presStyleLbl="parChTrans1D2" presStyleIdx="0" presStyleCnt="6"/>
       <dgm:spPr/>
+      <dgm:t>
+        <a:bodyPr/>
+        <a:lstStyle/>
+        <a:p>
+          <a:endParaRPr lang="en-US"/>
+        </a:p>
+      </dgm:t>
     </dgm:pt>
     <dgm:pt modelId="{5B29E83A-41AE-4F9B-A98B-386D3BDA949C}" type="pres">
       <dgm:prSet presAssocID="{3217A64E-4687-4770-96CA-204851C9F36E}" presName="hierRoot2" presStyleCnt="0">
@@ -1226,10 +1254,24 @@
         </dgm:presLayoutVars>
       </dgm:prSet>
       <dgm:spPr/>
+      <dgm:t>
+        <a:bodyPr/>
+        <a:lstStyle/>
+        <a:p>
+          <a:endParaRPr lang="en-US"/>
+        </a:p>
+      </dgm:t>
     </dgm:pt>
     <dgm:pt modelId="{B0A88DC3-3354-4C53-BE29-C6E8642176AA}" type="pres">
       <dgm:prSet presAssocID="{3217A64E-4687-4770-96CA-204851C9F36E}" presName="rootConnector" presStyleLbl="node2" presStyleIdx="0" presStyleCnt="6"/>
       <dgm:spPr/>
+      <dgm:t>
+        <a:bodyPr/>
+        <a:lstStyle/>
+        <a:p>
+          <a:endParaRPr lang="en-US"/>
+        </a:p>
+      </dgm:t>
     </dgm:pt>
     <dgm:pt modelId="{2ABDCE9F-C390-4E32-BAF6-C9903FAE2EC3}" type="pres">
       <dgm:prSet presAssocID="{3217A64E-4687-4770-96CA-204851C9F36E}" presName="hierChild4" presStyleCnt="0"/>
@@ -1242,6 +1284,13 @@
     <dgm:pt modelId="{5FD16D71-1854-4F63-8EBB-4A2F5F5A97B0}" type="pres">
       <dgm:prSet presAssocID="{C7C834E0-824A-4586-B27A-106070B43CCC}" presName="Name37" presStyleLbl="parChTrans1D2" presStyleIdx="1" presStyleCnt="6"/>
       <dgm:spPr/>
+      <dgm:t>
+        <a:bodyPr/>
+        <a:lstStyle/>
+        <a:p>
+          <a:endParaRPr lang="en-US"/>
+        </a:p>
+      </dgm:t>
     </dgm:pt>
     <dgm:pt modelId="{F867CCE0-6E83-4AF5-8A7F-1D91837815E4}" type="pres">
       <dgm:prSet presAssocID="{E9B04A14-8D81-448A-BF00-EFBB663329D8}" presName="hierRoot2" presStyleCnt="0">
@@ -1273,6 +1322,13 @@
     <dgm:pt modelId="{C59D4AAC-0997-42B5-B6E0-A287935A3E6C}" type="pres">
       <dgm:prSet presAssocID="{E9B04A14-8D81-448A-BF00-EFBB663329D8}" presName="rootConnector" presStyleLbl="node2" presStyleIdx="1" presStyleCnt="6"/>
       <dgm:spPr/>
+      <dgm:t>
+        <a:bodyPr/>
+        <a:lstStyle/>
+        <a:p>
+          <a:endParaRPr lang="en-US"/>
+        </a:p>
+      </dgm:t>
     </dgm:pt>
     <dgm:pt modelId="{1DB541CC-58FA-43B1-B17C-E5CA43D0C767}" type="pres">
       <dgm:prSet presAssocID="{E9B04A14-8D81-448A-BF00-EFBB663329D8}" presName="hierChild4" presStyleCnt="0"/>
@@ -1285,6 +1341,13 @@
     <dgm:pt modelId="{12EF24B0-45F2-4BB4-8CC4-904A86440676}" type="pres">
       <dgm:prSet presAssocID="{291E2E69-6313-4F09-9692-896906F0D028}" presName="Name37" presStyleLbl="parChTrans1D2" presStyleIdx="2" presStyleCnt="6"/>
       <dgm:spPr/>
+      <dgm:t>
+        <a:bodyPr/>
+        <a:lstStyle/>
+        <a:p>
+          <a:endParaRPr lang="en-US"/>
+        </a:p>
+      </dgm:t>
     </dgm:pt>
     <dgm:pt modelId="{43B861C0-F248-4040-BE13-C5046AB27C7B}" type="pres">
       <dgm:prSet presAssocID="{5ACF2F5A-CB1F-421E-A3F5-BB6830A91F97}" presName="hierRoot2" presStyleCnt="0">
@@ -1316,6 +1379,13 @@
     <dgm:pt modelId="{F34DE00C-8EDC-4DC8-ABA7-9BA502804FF8}" type="pres">
       <dgm:prSet presAssocID="{5ACF2F5A-CB1F-421E-A3F5-BB6830A91F97}" presName="rootConnector" presStyleLbl="node2" presStyleIdx="2" presStyleCnt="6"/>
       <dgm:spPr/>
+      <dgm:t>
+        <a:bodyPr/>
+        <a:lstStyle/>
+        <a:p>
+          <a:endParaRPr lang="en-US"/>
+        </a:p>
+      </dgm:t>
     </dgm:pt>
     <dgm:pt modelId="{8AD7551B-03E0-46DB-A2A3-D110CB2AF201}" type="pres">
       <dgm:prSet presAssocID="{5ACF2F5A-CB1F-421E-A3F5-BB6830A91F97}" presName="hierChild4" presStyleCnt="0"/>
@@ -1328,6 +1398,13 @@
     <dgm:pt modelId="{3DC06AE0-E5D1-49D6-823E-A5B90595E698}" type="pres">
       <dgm:prSet presAssocID="{AEFFE7DE-404A-47F8-8BF0-D35DF7B7FDB3}" presName="Name37" presStyleLbl="parChTrans1D2" presStyleIdx="3" presStyleCnt="6"/>
       <dgm:spPr/>
+      <dgm:t>
+        <a:bodyPr/>
+        <a:lstStyle/>
+        <a:p>
+          <a:endParaRPr lang="en-US"/>
+        </a:p>
+      </dgm:t>
     </dgm:pt>
     <dgm:pt modelId="{0FAC3FEA-E508-4F0A-9C9C-6500EC2AC49F}" type="pres">
       <dgm:prSet presAssocID="{4AACE748-4CEA-48B7-B8AE-D9F9C6CD8DB2}" presName="hierRoot2" presStyleCnt="0">
@@ -1359,6 +1436,13 @@
     <dgm:pt modelId="{C1B3B2FA-48B2-47E6-98EC-EB89C5AA0AF3}" type="pres">
       <dgm:prSet presAssocID="{4AACE748-4CEA-48B7-B8AE-D9F9C6CD8DB2}" presName="rootConnector" presStyleLbl="node2" presStyleIdx="3" presStyleCnt="6"/>
       <dgm:spPr/>
+      <dgm:t>
+        <a:bodyPr/>
+        <a:lstStyle/>
+        <a:p>
+          <a:endParaRPr lang="en-US"/>
+        </a:p>
+      </dgm:t>
     </dgm:pt>
     <dgm:pt modelId="{C89EBB4D-3B7F-4F49-B7EA-48E634478343}" type="pres">
       <dgm:prSet presAssocID="{4AACE748-4CEA-48B7-B8AE-D9F9C6CD8DB2}" presName="hierChild4" presStyleCnt="0"/>
@@ -1371,6 +1455,13 @@
     <dgm:pt modelId="{C6D5AC1E-F375-467B-B1F1-62142AA2BD1E}" type="pres">
       <dgm:prSet presAssocID="{DE85D8B8-988D-4CAB-AB16-B1D6AC4F9354}" presName="Name37" presStyleLbl="parChTrans1D2" presStyleIdx="4" presStyleCnt="6"/>
       <dgm:spPr/>
+      <dgm:t>
+        <a:bodyPr/>
+        <a:lstStyle/>
+        <a:p>
+          <a:endParaRPr lang="en-US"/>
+        </a:p>
+      </dgm:t>
     </dgm:pt>
     <dgm:pt modelId="{07702FD3-8F95-44C6-8D35-1DEAC8C5DD39}" type="pres">
       <dgm:prSet presAssocID="{556C3DE8-F557-4CDF-B8B6-8548DD449E61}" presName="hierRoot2" presStyleCnt="0">
@@ -1402,6 +1493,13 @@
     <dgm:pt modelId="{FE65D598-5697-40BB-9A5A-C89042B203FB}" type="pres">
       <dgm:prSet presAssocID="{556C3DE8-F557-4CDF-B8B6-8548DD449E61}" presName="rootConnector" presStyleLbl="node2" presStyleIdx="4" presStyleCnt="6"/>
       <dgm:spPr/>
+      <dgm:t>
+        <a:bodyPr/>
+        <a:lstStyle/>
+        <a:p>
+          <a:endParaRPr lang="en-US"/>
+        </a:p>
+      </dgm:t>
     </dgm:pt>
     <dgm:pt modelId="{4085A9D6-43FE-4557-9404-76C740B4644D}" type="pres">
       <dgm:prSet presAssocID="{556C3DE8-F557-4CDF-B8B6-8548DD449E61}" presName="hierChild4" presStyleCnt="0"/>
@@ -1414,6 +1512,13 @@
     <dgm:pt modelId="{73ED3F50-2453-4428-A8C1-D39A6DC99C89}" type="pres">
       <dgm:prSet presAssocID="{DCCB3BC0-37EC-4C93-B914-19ACD924F372}" presName="Name37" presStyleLbl="parChTrans1D2" presStyleIdx="5" presStyleCnt="6"/>
       <dgm:spPr/>
+      <dgm:t>
+        <a:bodyPr/>
+        <a:lstStyle/>
+        <a:p>
+          <a:endParaRPr lang="en-US"/>
+        </a:p>
+      </dgm:t>
     </dgm:pt>
     <dgm:pt modelId="{7F8CF01F-D940-4692-9984-AC8626F39ACF}" type="pres">
       <dgm:prSet presAssocID="{BEF9DDBC-327D-4B2E-8AA8-29385E9EAD17}" presName="hierRoot2" presStyleCnt="0">
@@ -1445,6 +1550,13 @@
     <dgm:pt modelId="{47BEECE9-1A64-4836-A469-0FD943D07EAB}" type="pres">
       <dgm:prSet presAssocID="{BEF9DDBC-327D-4B2E-8AA8-29385E9EAD17}" presName="rootConnector" presStyleLbl="node2" presStyleIdx="5" presStyleCnt="6"/>
       <dgm:spPr/>
+      <dgm:t>
+        <a:bodyPr/>
+        <a:lstStyle/>
+        <a:p>
+          <a:endParaRPr lang="en-US"/>
+        </a:p>
+      </dgm:t>
     </dgm:pt>
     <dgm:pt modelId="{F559912E-2001-4424-BD5C-A7B185E26212}" type="pres">
       <dgm:prSet presAssocID="{BEF9DDBC-327D-4B2E-8AA8-29385E9EAD17}" presName="hierChild4" presStyleCnt="0"/>
@@ -1460,34 +1572,34 @@
     </dgm:pt>
   </dgm:ptLst>
   <dgm:cxnLst>
+    <dgm:cxn modelId="{F34F544C-1014-41EB-B635-5859039FC154}" type="presOf" srcId="{DCCB3BC0-37EC-4C93-B914-19ACD924F372}" destId="{73ED3F50-2453-4428-A8C1-D39A6DC99C89}" srcOrd="0" destOrd="0" presId="urn:microsoft.com/office/officeart/2005/8/layout/orgChart1"/>
+    <dgm:cxn modelId="{B06B1596-9B50-40FB-B2FA-01DCCE9A624A}" type="presOf" srcId="{42D4FD08-90C5-4832-A74E-4CA35B229417}" destId="{6D5269EE-92F4-40EC-B3B7-0CF81DA018D7}" srcOrd="0" destOrd="0" presId="urn:microsoft.com/office/officeart/2005/8/layout/orgChart1"/>
+    <dgm:cxn modelId="{DEC62A76-6A7F-411D-8C88-EC082E065724}" type="presOf" srcId="{4AACE748-4CEA-48B7-B8AE-D9F9C6CD8DB2}" destId="{C1B3B2FA-48B2-47E6-98EC-EB89C5AA0AF3}" srcOrd="1" destOrd="0" presId="urn:microsoft.com/office/officeart/2005/8/layout/orgChart1"/>
+    <dgm:cxn modelId="{2DDA116E-B976-4B02-A535-2140DAB6D333}" type="presOf" srcId="{BEF9DDBC-327D-4B2E-8AA8-29385E9EAD17}" destId="{47BEECE9-1A64-4836-A469-0FD943D07EAB}" srcOrd="1" destOrd="0" presId="urn:microsoft.com/office/officeart/2005/8/layout/orgChart1"/>
+    <dgm:cxn modelId="{C3717BC9-67D7-432A-9752-37BFCEF999F0}" type="presOf" srcId="{AA409101-9F77-4B41-816A-A605BFE70689}" destId="{24B46F58-8772-4B5B-A473-36AD97F87D17}" srcOrd="0" destOrd="0" presId="urn:microsoft.com/office/officeart/2005/8/layout/orgChart1"/>
+    <dgm:cxn modelId="{EC54647D-A05D-403E-BA17-8E82870AA56C}" srcId="{42D4FD08-90C5-4832-A74E-4CA35B229417}" destId="{BEF9DDBC-327D-4B2E-8AA8-29385E9EAD17}" srcOrd="5" destOrd="0" parTransId="{DCCB3BC0-37EC-4C93-B914-19ACD924F372}" sibTransId="{407530E2-83B1-4262-85FE-472DB6FD192F}"/>
+    <dgm:cxn modelId="{8ACB2881-8FF0-49D2-8ED3-A5D4C9B39973}" type="presOf" srcId="{5ACF2F5A-CB1F-421E-A3F5-BB6830A91F97}" destId="{DA3EA1DD-3E03-4A5F-BC9E-9410F123E915}" srcOrd="0" destOrd="0" presId="urn:microsoft.com/office/officeart/2005/8/layout/orgChart1"/>
+    <dgm:cxn modelId="{731B216D-1F3B-4085-956C-2DBF4E674261}" type="presOf" srcId="{5ACF2F5A-CB1F-421E-A3F5-BB6830A91F97}" destId="{F34DE00C-8EDC-4DC8-ABA7-9BA502804FF8}" srcOrd="1" destOrd="0" presId="urn:microsoft.com/office/officeart/2005/8/layout/orgChart1"/>
+    <dgm:cxn modelId="{1A6D0692-85F8-4124-B6DD-5860FF2E3A52}" type="presOf" srcId="{556C3DE8-F557-4CDF-B8B6-8548DD449E61}" destId="{FE65D598-5697-40BB-9A5A-C89042B203FB}" srcOrd="1" destOrd="0" presId="urn:microsoft.com/office/officeart/2005/8/layout/orgChart1"/>
+    <dgm:cxn modelId="{57E17811-A541-4DD2-AA99-C319C988C6DA}" srcId="{42D4FD08-90C5-4832-A74E-4CA35B229417}" destId="{E9B04A14-8D81-448A-BF00-EFBB663329D8}" srcOrd="1" destOrd="0" parTransId="{C7C834E0-824A-4586-B27A-106070B43CCC}" sibTransId="{0B05E33D-0FF5-4917-8AAA-8A18D1EA1CD0}"/>
+    <dgm:cxn modelId="{EC60FAAE-84BC-4581-AF2E-B9975118FB37}" type="presOf" srcId="{3217A64E-4687-4770-96CA-204851C9F36E}" destId="{397882A8-6B22-4079-80BB-599ACB84C84C}" srcOrd="0" destOrd="0" presId="urn:microsoft.com/office/officeart/2005/8/layout/orgChart1"/>
+    <dgm:cxn modelId="{637A8A8A-E563-4656-9DB2-D82F7BEC3A9A}" type="presOf" srcId="{556C3DE8-F557-4CDF-B8B6-8548DD449E61}" destId="{AC164DFF-3BFA-4903-8AFA-6686823ACB44}" srcOrd="0" destOrd="0" presId="urn:microsoft.com/office/officeart/2005/8/layout/orgChart1"/>
+    <dgm:cxn modelId="{91329A75-F26E-4D9D-B332-8DD4C827AAD7}" type="presOf" srcId="{DE85D8B8-988D-4CAB-AB16-B1D6AC4F9354}" destId="{C6D5AC1E-F375-467B-B1F1-62142AA2BD1E}" srcOrd="0" destOrd="0" presId="urn:microsoft.com/office/officeart/2005/8/layout/orgChart1"/>
+    <dgm:cxn modelId="{B7997AD6-B888-4C39-909D-AA0D26C301DF}" type="presOf" srcId="{BEF9DDBC-327D-4B2E-8AA8-29385E9EAD17}" destId="{88E797B9-16B0-4337-8508-4DAE78338E08}" srcOrd="0" destOrd="0" presId="urn:microsoft.com/office/officeart/2005/8/layout/orgChart1"/>
+    <dgm:cxn modelId="{7B0AAB6D-3A89-43F4-9F6F-DC00762E1F87}" type="presOf" srcId="{42D4FD08-90C5-4832-A74E-4CA35B229417}" destId="{CC7FB150-2B5D-4C95-B60F-911DD85550F9}" srcOrd="1" destOrd="0" presId="urn:microsoft.com/office/officeart/2005/8/layout/orgChart1"/>
+    <dgm:cxn modelId="{6B92BE77-8341-4C2D-A641-347879DB6547}" srcId="{42D4FD08-90C5-4832-A74E-4CA35B229417}" destId="{5ACF2F5A-CB1F-421E-A3F5-BB6830A91F97}" srcOrd="2" destOrd="0" parTransId="{291E2E69-6313-4F09-9692-896906F0D028}" sibTransId="{26F78F14-4D48-437E-8A13-D30EC8D3BF12}"/>
+    <dgm:cxn modelId="{E2CD6387-3C24-42EE-80FE-68ADDF9A684A}" type="presOf" srcId="{AEFFE7DE-404A-47F8-8BF0-D35DF7B7FDB3}" destId="{3DC06AE0-E5D1-49D6-823E-A5B90595E698}" srcOrd="0" destOrd="0" presId="urn:microsoft.com/office/officeart/2005/8/layout/orgChart1"/>
+    <dgm:cxn modelId="{32721C51-4402-4EFF-91DA-C45E343A4E4D}" srcId="{42D4FD08-90C5-4832-A74E-4CA35B229417}" destId="{4AACE748-4CEA-48B7-B8AE-D9F9C6CD8DB2}" srcOrd="3" destOrd="0" parTransId="{AEFFE7DE-404A-47F8-8BF0-D35DF7B7FDB3}" sibTransId="{54692A91-F01B-43C6-B4E0-7AA79546C6D8}"/>
+    <dgm:cxn modelId="{3FC666A5-77A8-4A2F-B7DD-D927D4A9607D}" type="presOf" srcId="{2D6FF46B-970C-4C6A-8989-263960E256DF}" destId="{5321AF62-FB19-4D1B-8551-34E79585A3CE}" srcOrd="0" destOrd="0" presId="urn:microsoft.com/office/officeart/2005/8/layout/orgChart1"/>
+    <dgm:cxn modelId="{35BD6C4A-186C-4C4D-9268-EA19937C9E7A}" srcId="{42D4FD08-90C5-4832-A74E-4CA35B229417}" destId="{3217A64E-4687-4770-96CA-204851C9F36E}" srcOrd="0" destOrd="0" parTransId="{2D6FF46B-970C-4C6A-8989-263960E256DF}" sibTransId="{8C755205-3CA9-4D23-8633-DF9BB1A23BCE}"/>
+    <dgm:cxn modelId="{EDD7FB23-82A4-4D3E-AD1C-FB0EC48FCE01}" type="presOf" srcId="{C7C834E0-824A-4586-B27A-106070B43CCC}" destId="{5FD16D71-1854-4F63-8EBB-4A2F5F5A97B0}" srcOrd="0" destOrd="0" presId="urn:microsoft.com/office/officeart/2005/8/layout/orgChart1"/>
+    <dgm:cxn modelId="{2C0C29C2-9E03-41DE-9402-C5EF53FF1416}" srcId="{AA409101-9F77-4B41-816A-A605BFE70689}" destId="{42D4FD08-90C5-4832-A74E-4CA35B229417}" srcOrd="0" destOrd="0" parTransId="{DB9A1360-4970-4CAD-AC17-FAC802889EE3}" sibTransId="{CCE584BC-3E19-4A25-AF58-AE3A3DF99FA5}"/>
+    <dgm:cxn modelId="{E43D234F-BB10-415F-9342-6C9A86BC2B3B}" type="presOf" srcId="{291E2E69-6313-4F09-9692-896906F0D028}" destId="{12EF24B0-45F2-4BB4-8CC4-904A86440676}" srcOrd="0" destOrd="0" presId="urn:microsoft.com/office/officeart/2005/8/layout/orgChart1"/>
+    <dgm:cxn modelId="{1D6547D8-9061-4A4A-B8F3-00FD032CB1CB}" type="presOf" srcId="{E9B04A14-8D81-448A-BF00-EFBB663329D8}" destId="{33619D44-0D5A-479B-81C0-180A26CA56DF}" srcOrd="0" destOrd="0" presId="urn:microsoft.com/office/officeart/2005/8/layout/orgChart1"/>
+    <dgm:cxn modelId="{3927DACF-E8D2-479A-93D4-A983F79A0EE9}" srcId="{42D4FD08-90C5-4832-A74E-4CA35B229417}" destId="{556C3DE8-F557-4CDF-B8B6-8548DD449E61}" srcOrd="4" destOrd="0" parTransId="{DE85D8B8-988D-4CAB-AB16-B1D6AC4F9354}" sibTransId="{E0BE67C0-94FB-4811-A68B-C444BC2B8CB2}"/>
+    <dgm:cxn modelId="{D5BDDBA2-540F-4BEA-B2C9-FA579F97FC8A}" type="presOf" srcId="{E9B04A14-8D81-448A-BF00-EFBB663329D8}" destId="{C59D4AAC-0997-42B5-B6E0-A287935A3E6C}" srcOrd="1" destOrd="0" presId="urn:microsoft.com/office/officeart/2005/8/layout/orgChart1"/>
+    <dgm:cxn modelId="{81A41AD5-5CA9-4F09-B2C1-2E1214A7B821}" type="presOf" srcId="{4AACE748-4CEA-48B7-B8AE-D9F9C6CD8DB2}" destId="{701E08A6-8A39-47D7-920D-E543F362860E}" srcOrd="0" destOrd="0" presId="urn:microsoft.com/office/officeart/2005/8/layout/orgChart1"/>
     <dgm:cxn modelId="{D9A65761-5A23-4EDA-AFF2-B58AFA68287E}" type="presOf" srcId="{3217A64E-4687-4770-96CA-204851C9F36E}" destId="{B0A88DC3-3354-4C53-BE29-C6E8642176AA}" srcOrd="1" destOrd="0" presId="urn:microsoft.com/office/officeart/2005/8/layout/orgChart1"/>
-    <dgm:cxn modelId="{91329A75-F26E-4D9D-B332-8DD4C827AAD7}" type="presOf" srcId="{DE85D8B8-988D-4CAB-AB16-B1D6AC4F9354}" destId="{C6D5AC1E-F375-467B-B1F1-62142AA2BD1E}" srcOrd="0" destOrd="0" presId="urn:microsoft.com/office/officeart/2005/8/layout/orgChart1"/>
-    <dgm:cxn modelId="{EC54647D-A05D-403E-BA17-8E82870AA56C}" srcId="{42D4FD08-90C5-4832-A74E-4CA35B229417}" destId="{BEF9DDBC-327D-4B2E-8AA8-29385E9EAD17}" srcOrd="5" destOrd="0" parTransId="{DCCB3BC0-37EC-4C93-B914-19ACD924F372}" sibTransId="{407530E2-83B1-4262-85FE-472DB6FD192F}"/>
-    <dgm:cxn modelId="{D5BDDBA2-540F-4BEA-B2C9-FA579F97FC8A}" type="presOf" srcId="{E9B04A14-8D81-448A-BF00-EFBB663329D8}" destId="{C59D4AAC-0997-42B5-B6E0-A287935A3E6C}" srcOrd="1" destOrd="0" presId="urn:microsoft.com/office/officeart/2005/8/layout/orgChart1"/>
-    <dgm:cxn modelId="{3FC666A5-77A8-4A2F-B7DD-D927D4A9607D}" type="presOf" srcId="{2D6FF46B-970C-4C6A-8989-263960E256DF}" destId="{5321AF62-FB19-4D1B-8551-34E79585A3CE}" srcOrd="0" destOrd="0" presId="urn:microsoft.com/office/officeart/2005/8/layout/orgChart1"/>
-    <dgm:cxn modelId="{EC60FAAE-84BC-4581-AF2E-B9975118FB37}" type="presOf" srcId="{3217A64E-4687-4770-96CA-204851C9F36E}" destId="{397882A8-6B22-4079-80BB-599ACB84C84C}" srcOrd="0" destOrd="0" presId="urn:microsoft.com/office/officeart/2005/8/layout/orgChart1"/>
-    <dgm:cxn modelId="{6B92BE77-8341-4C2D-A641-347879DB6547}" srcId="{42D4FD08-90C5-4832-A74E-4CA35B229417}" destId="{5ACF2F5A-CB1F-421E-A3F5-BB6830A91F97}" srcOrd="2" destOrd="0" parTransId="{291E2E69-6313-4F09-9692-896906F0D028}" sibTransId="{26F78F14-4D48-437E-8A13-D30EC8D3BF12}"/>
-    <dgm:cxn modelId="{1A6D0692-85F8-4124-B6DD-5860FF2E3A52}" type="presOf" srcId="{556C3DE8-F557-4CDF-B8B6-8548DD449E61}" destId="{FE65D598-5697-40BB-9A5A-C89042B203FB}" srcOrd="1" destOrd="0" presId="urn:microsoft.com/office/officeart/2005/8/layout/orgChart1"/>
-    <dgm:cxn modelId="{E2CD6387-3C24-42EE-80FE-68ADDF9A684A}" type="presOf" srcId="{AEFFE7DE-404A-47F8-8BF0-D35DF7B7FDB3}" destId="{3DC06AE0-E5D1-49D6-823E-A5B90595E698}" srcOrd="0" destOrd="0" presId="urn:microsoft.com/office/officeart/2005/8/layout/orgChart1"/>
-    <dgm:cxn modelId="{2C0C29C2-9E03-41DE-9402-C5EF53FF1416}" srcId="{AA409101-9F77-4B41-816A-A605BFE70689}" destId="{42D4FD08-90C5-4832-A74E-4CA35B229417}" srcOrd="0" destOrd="0" parTransId="{DB9A1360-4970-4CAD-AC17-FAC802889EE3}" sibTransId="{CCE584BC-3E19-4A25-AF58-AE3A3DF99FA5}"/>
-    <dgm:cxn modelId="{637A8A8A-E563-4656-9DB2-D82F7BEC3A9A}" type="presOf" srcId="{556C3DE8-F557-4CDF-B8B6-8548DD449E61}" destId="{AC164DFF-3BFA-4903-8AFA-6686823ACB44}" srcOrd="0" destOrd="0" presId="urn:microsoft.com/office/officeart/2005/8/layout/orgChart1"/>
-    <dgm:cxn modelId="{C3717BC9-67D7-432A-9752-37BFCEF999F0}" type="presOf" srcId="{AA409101-9F77-4B41-816A-A605BFE70689}" destId="{24B46F58-8772-4B5B-A473-36AD97F87D17}" srcOrd="0" destOrd="0" presId="urn:microsoft.com/office/officeart/2005/8/layout/orgChart1"/>
-    <dgm:cxn modelId="{81A41AD5-5CA9-4F09-B2C1-2E1214A7B821}" type="presOf" srcId="{4AACE748-4CEA-48B7-B8AE-D9F9C6CD8DB2}" destId="{701E08A6-8A39-47D7-920D-E543F362860E}" srcOrd="0" destOrd="0" presId="urn:microsoft.com/office/officeart/2005/8/layout/orgChart1"/>
-    <dgm:cxn modelId="{E43D234F-BB10-415F-9342-6C9A86BC2B3B}" type="presOf" srcId="{291E2E69-6313-4F09-9692-896906F0D028}" destId="{12EF24B0-45F2-4BB4-8CC4-904A86440676}" srcOrd="0" destOrd="0" presId="urn:microsoft.com/office/officeart/2005/8/layout/orgChart1"/>
-    <dgm:cxn modelId="{731B216D-1F3B-4085-956C-2DBF4E674261}" type="presOf" srcId="{5ACF2F5A-CB1F-421E-A3F5-BB6830A91F97}" destId="{F34DE00C-8EDC-4DC8-ABA7-9BA502804FF8}" srcOrd="1" destOrd="0" presId="urn:microsoft.com/office/officeart/2005/8/layout/orgChart1"/>
-    <dgm:cxn modelId="{35BD6C4A-186C-4C4D-9268-EA19937C9E7A}" srcId="{42D4FD08-90C5-4832-A74E-4CA35B229417}" destId="{3217A64E-4687-4770-96CA-204851C9F36E}" srcOrd="0" destOrd="0" parTransId="{2D6FF46B-970C-4C6A-8989-263960E256DF}" sibTransId="{8C755205-3CA9-4D23-8633-DF9BB1A23BCE}"/>
-    <dgm:cxn modelId="{57E17811-A541-4DD2-AA99-C319C988C6DA}" srcId="{42D4FD08-90C5-4832-A74E-4CA35B229417}" destId="{E9B04A14-8D81-448A-BF00-EFBB663329D8}" srcOrd="1" destOrd="0" parTransId="{C7C834E0-824A-4586-B27A-106070B43CCC}" sibTransId="{0B05E33D-0FF5-4917-8AAA-8A18D1EA1CD0}"/>
-    <dgm:cxn modelId="{7B0AAB6D-3A89-43F4-9F6F-DC00762E1F87}" type="presOf" srcId="{42D4FD08-90C5-4832-A74E-4CA35B229417}" destId="{CC7FB150-2B5D-4C95-B60F-911DD85550F9}" srcOrd="1" destOrd="0" presId="urn:microsoft.com/office/officeart/2005/8/layout/orgChart1"/>
-    <dgm:cxn modelId="{F34F544C-1014-41EB-B635-5859039FC154}" type="presOf" srcId="{DCCB3BC0-37EC-4C93-B914-19ACD924F372}" destId="{73ED3F50-2453-4428-A8C1-D39A6DC99C89}" srcOrd="0" destOrd="0" presId="urn:microsoft.com/office/officeart/2005/8/layout/orgChart1"/>
-    <dgm:cxn modelId="{8ACB2881-8FF0-49D2-8ED3-A5D4C9B39973}" type="presOf" srcId="{5ACF2F5A-CB1F-421E-A3F5-BB6830A91F97}" destId="{DA3EA1DD-3E03-4A5F-BC9E-9410F123E915}" srcOrd="0" destOrd="0" presId="urn:microsoft.com/office/officeart/2005/8/layout/orgChart1"/>
-    <dgm:cxn modelId="{DEC62A76-6A7F-411D-8C88-EC082E065724}" type="presOf" srcId="{4AACE748-4CEA-48B7-B8AE-D9F9C6CD8DB2}" destId="{C1B3B2FA-48B2-47E6-98EC-EB89C5AA0AF3}" srcOrd="1" destOrd="0" presId="urn:microsoft.com/office/officeart/2005/8/layout/orgChart1"/>
-    <dgm:cxn modelId="{32721C51-4402-4EFF-91DA-C45E343A4E4D}" srcId="{42D4FD08-90C5-4832-A74E-4CA35B229417}" destId="{4AACE748-4CEA-48B7-B8AE-D9F9C6CD8DB2}" srcOrd="3" destOrd="0" parTransId="{AEFFE7DE-404A-47F8-8BF0-D35DF7B7FDB3}" sibTransId="{54692A91-F01B-43C6-B4E0-7AA79546C6D8}"/>
-    <dgm:cxn modelId="{1D6547D8-9061-4A4A-B8F3-00FD032CB1CB}" type="presOf" srcId="{E9B04A14-8D81-448A-BF00-EFBB663329D8}" destId="{33619D44-0D5A-479B-81C0-180A26CA56DF}" srcOrd="0" destOrd="0" presId="urn:microsoft.com/office/officeart/2005/8/layout/orgChart1"/>
-    <dgm:cxn modelId="{2DDA116E-B976-4B02-A535-2140DAB6D333}" type="presOf" srcId="{BEF9DDBC-327D-4B2E-8AA8-29385E9EAD17}" destId="{47BEECE9-1A64-4836-A469-0FD943D07EAB}" srcOrd="1" destOrd="0" presId="urn:microsoft.com/office/officeart/2005/8/layout/orgChart1"/>
-    <dgm:cxn modelId="{3927DACF-E8D2-479A-93D4-A983F79A0EE9}" srcId="{42D4FD08-90C5-4832-A74E-4CA35B229417}" destId="{556C3DE8-F557-4CDF-B8B6-8548DD449E61}" srcOrd="4" destOrd="0" parTransId="{DE85D8B8-988D-4CAB-AB16-B1D6AC4F9354}" sibTransId="{E0BE67C0-94FB-4811-A68B-C444BC2B8CB2}"/>
-    <dgm:cxn modelId="{EDD7FB23-82A4-4D3E-AD1C-FB0EC48FCE01}" type="presOf" srcId="{C7C834E0-824A-4586-B27A-106070B43CCC}" destId="{5FD16D71-1854-4F63-8EBB-4A2F5F5A97B0}" srcOrd="0" destOrd="0" presId="urn:microsoft.com/office/officeart/2005/8/layout/orgChart1"/>
-    <dgm:cxn modelId="{B7997AD6-B888-4C39-909D-AA0D26C301DF}" type="presOf" srcId="{BEF9DDBC-327D-4B2E-8AA8-29385E9EAD17}" destId="{88E797B9-16B0-4337-8508-4DAE78338E08}" srcOrd="0" destOrd="0" presId="urn:microsoft.com/office/officeart/2005/8/layout/orgChart1"/>
-    <dgm:cxn modelId="{B06B1596-9B50-40FB-B2FA-01DCCE9A624A}" type="presOf" srcId="{42D4FD08-90C5-4832-A74E-4CA35B229417}" destId="{6D5269EE-92F4-40EC-B3B7-0CF81DA018D7}" srcOrd="0" destOrd="0" presId="urn:microsoft.com/office/officeart/2005/8/layout/orgChart1"/>
     <dgm:cxn modelId="{88CFEB67-9E98-4A4C-9C9C-A41C22EF92F3}" type="presParOf" srcId="{24B46F58-8772-4B5B-A473-36AD97F87D17}" destId="{BE07FD87-579B-4BB2-A51E-EF5C00D1FE2A}" srcOrd="0" destOrd="0" presId="urn:microsoft.com/office/officeart/2005/8/layout/orgChart1"/>
     <dgm:cxn modelId="{C651860F-563D-485B-AFA1-3FB34066571B}" type="presParOf" srcId="{BE07FD87-579B-4BB2-A51E-EF5C00D1FE2A}" destId="{692614D2-CDCE-4417-A451-88A2BE436819}" srcOrd="0" destOrd="0" presId="urn:microsoft.com/office/officeart/2005/8/layout/orgChart1"/>
     <dgm:cxn modelId="{77997F09-DCF4-45AC-9D4F-6EA839241959}" type="presParOf" srcId="{692614D2-CDCE-4417-A451-88A2BE436819}" destId="{6D5269EE-92F4-40EC-B3B7-0CF81DA018D7}" srcOrd="0" destOrd="0" presId="urn:microsoft.com/office/officeart/2005/8/layout/orgChart1"/>
@@ -4860,7 +4972,7 @@
           <a:p>
             <a:fld id="{C015B35D-0DE3-4E2E-B8B8-BA3B0EA8E074}" type="datetimeFigureOut">
               <a:rPr lang="en-US" smtClean="0"/>
-              <a:t>1/4/2016</a:t>
+              <a:t>1/10/2016</a:t>
             </a:fld>
             <a:endParaRPr lang="en-US"/>
           </a:p>
@@ -5025,7 +5137,7 @@
           <a:p>
             <a:fld id="{C015B35D-0DE3-4E2E-B8B8-BA3B0EA8E074}" type="datetimeFigureOut">
               <a:rPr lang="en-US" smtClean="0"/>
-              <a:t>1/4/2016</a:t>
+              <a:t>1/10/2016</a:t>
             </a:fld>
             <a:endParaRPr lang="en-US"/>
           </a:p>
@@ -5200,7 +5312,7 @@
           <a:p>
             <a:fld id="{C015B35D-0DE3-4E2E-B8B8-BA3B0EA8E074}" type="datetimeFigureOut">
               <a:rPr lang="en-US" smtClean="0"/>
-              <a:t>1/4/2016</a:t>
+              <a:t>1/10/2016</a:t>
             </a:fld>
             <a:endParaRPr lang="en-US"/>
           </a:p>
@@ -5437,7 +5549,7 @@
           <a:p>
             <a:fld id="{C015B35D-0DE3-4E2E-B8B8-BA3B0EA8E074}" type="datetimeFigureOut">
               <a:rPr lang="en-US" smtClean="0"/>
-              <a:t>1/4/2016</a:t>
+              <a:t>1/10/2016</a:t>
             </a:fld>
             <a:endParaRPr lang="en-US"/>
           </a:p>
@@ -5607,7 +5719,7 @@
           <a:p>
             <a:fld id="{C015B35D-0DE3-4E2E-B8B8-BA3B0EA8E074}" type="datetimeFigureOut">
               <a:rPr lang="en-US" smtClean="0"/>
-              <a:t>1/4/2016</a:t>
+              <a:t>1/10/2016</a:t>
             </a:fld>
             <a:endParaRPr lang="en-US"/>
           </a:p>
@@ -5853,7 +5965,7 @@
           <a:p>
             <a:fld id="{C015B35D-0DE3-4E2E-B8B8-BA3B0EA8E074}" type="datetimeFigureOut">
               <a:rPr lang="en-US" smtClean="0"/>
-              <a:t>1/4/2016</a:t>
+              <a:t>1/10/2016</a:t>
             </a:fld>
             <a:endParaRPr lang="en-US"/>
           </a:p>
@@ -6141,7 +6253,7 @@
           <a:p>
             <a:fld id="{C015B35D-0DE3-4E2E-B8B8-BA3B0EA8E074}" type="datetimeFigureOut">
               <a:rPr lang="en-US" smtClean="0"/>
-              <a:t>1/4/2016</a:t>
+              <a:t>1/10/2016</a:t>
             </a:fld>
             <a:endParaRPr lang="en-US"/>
           </a:p>
@@ -6563,7 +6675,7 @@
           <a:p>
             <a:fld id="{C015B35D-0DE3-4E2E-B8B8-BA3B0EA8E074}" type="datetimeFigureOut">
               <a:rPr lang="en-US" smtClean="0"/>
-              <a:t>1/4/2016</a:t>
+              <a:t>1/10/2016</a:t>
             </a:fld>
             <a:endParaRPr lang="en-US"/>
           </a:p>
@@ -6681,7 +6793,7 @@
           <a:p>
             <a:fld id="{C015B35D-0DE3-4E2E-B8B8-BA3B0EA8E074}" type="datetimeFigureOut">
               <a:rPr lang="en-US" smtClean="0"/>
-              <a:t>1/4/2016</a:t>
+              <a:t>1/10/2016</a:t>
             </a:fld>
             <a:endParaRPr lang="en-US"/>
           </a:p>
@@ -6776,7 +6888,7 @@
           <a:p>
             <a:fld id="{C015B35D-0DE3-4E2E-B8B8-BA3B0EA8E074}" type="datetimeFigureOut">
               <a:rPr lang="en-US" smtClean="0"/>
-              <a:t>1/4/2016</a:t>
+              <a:t>1/10/2016</a:t>
             </a:fld>
             <a:endParaRPr lang="en-US"/>
           </a:p>
@@ -7053,7 +7165,7 @@
           <a:p>
             <a:fld id="{C015B35D-0DE3-4E2E-B8B8-BA3B0EA8E074}" type="datetimeFigureOut">
               <a:rPr lang="en-US" smtClean="0"/>
-              <a:t>1/4/2016</a:t>
+              <a:t>1/10/2016</a:t>
             </a:fld>
             <a:endParaRPr lang="en-US"/>
           </a:p>
@@ -7228,7 +7340,7 @@
           <a:p>
             <a:fld id="{C015B35D-0DE3-4E2E-B8B8-BA3B0EA8E074}" type="datetimeFigureOut">
               <a:rPr lang="en-US" smtClean="0"/>
-              <a:t>1/4/2016</a:t>
+              <a:t>1/10/2016</a:t>
             </a:fld>
             <a:endParaRPr lang="en-US"/>
           </a:p>
@@ -7509,7 +7621,7 @@
           <a:p>
             <a:fld id="{C015B35D-0DE3-4E2E-B8B8-BA3B0EA8E074}" type="datetimeFigureOut">
               <a:rPr lang="en-US" smtClean="0"/>
-              <a:t>1/4/2016</a:t>
+              <a:t>1/10/2016</a:t>
             </a:fld>
             <a:endParaRPr lang="en-US"/>
           </a:p>
@@ -7679,7 +7791,7 @@
           <a:p>
             <a:fld id="{C015B35D-0DE3-4E2E-B8B8-BA3B0EA8E074}" type="datetimeFigureOut">
               <a:rPr lang="en-US" smtClean="0"/>
-              <a:t>1/4/2016</a:t>
+              <a:t>1/10/2016</a:t>
             </a:fld>
             <a:endParaRPr lang="en-US"/>
           </a:p>
@@ -7859,7 +7971,7 @@
           <a:p>
             <a:fld id="{C015B35D-0DE3-4E2E-B8B8-BA3B0EA8E074}" type="datetimeFigureOut">
               <a:rPr lang="en-US" smtClean="0"/>
-              <a:t>1/4/2016</a:t>
+              <a:t>1/10/2016</a:t>
             </a:fld>
             <a:endParaRPr lang="en-US"/>
           </a:p>
@@ -8093,7 +8205,7 @@
           <a:p>
             <a:fld id="{C015B35D-0DE3-4E2E-B8B8-BA3B0EA8E074}" type="datetimeFigureOut">
               <a:rPr lang="en-US" smtClean="0"/>
-              <a:t>1/4/2016</a:t>
+              <a:t>1/10/2016</a:t>
             </a:fld>
             <a:endParaRPr lang="en-US"/>
           </a:p>
@@ -8258,7 +8370,7 @@
           <a:p>
             <a:fld id="{C015B35D-0DE3-4E2E-B8B8-BA3B0EA8E074}" type="datetimeFigureOut">
               <a:rPr lang="en-US" smtClean="0"/>
-              <a:t>1/4/2016</a:t>
+              <a:t>1/10/2016</a:t>
             </a:fld>
             <a:endParaRPr lang="en-US"/>
           </a:p>
@@ -8500,7 +8612,7 @@
           <a:p>
             <a:fld id="{C015B35D-0DE3-4E2E-B8B8-BA3B0EA8E074}" type="datetimeFigureOut">
               <a:rPr lang="en-US" smtClean="0"/>
-              <a:t>1/4/2016</a:t>
+              <a:t>1/10/2016</a:t>
             </a:fld>
             <a:endParaRPr lang="en-US"/>
           </a:p>
@@ -8764,7 +8876,7 @@
           <a:p>
             <a:fld id="{C015B35D-0DE3-4E2E-B8B8-BA3B0EA8E074}" type="datetimeFigureOut">
               <a:rPr lang="en-US" smtClean="0"/>
-              <a:t>1/4/2016</a:t>
+              <a:t>1/10/2016</a:t>
             </a:fld>
             <a:endParaRPr lang="en-US"/>
           </a:p>
@@ -9142,7 +9254,7 @@
           <a:p>
             <a:fld id="{C015B35D-0DE3-4E2E-B8B8-BA3B0EA8E074}" type="datetimeFigureOut">
               <a:rPr lang="en-US" smtClean="0"/>
-              <a:t>1/4/2016</a:t>
+              <a:t>1/10/2016</a:t>
             </a:fld>
             <a:endParaRPr lang="en-US"/>
           </a:p>
@@ -9292,7 +9404,7 @@
           <a:p>
             <a:fld id="{C015B35D-0DE3-4E2E-B8B8-BA3B0EA8E074}" type="datetimeFigureOut">
               <a:rPr lang="en-US" smtClean="0"/>
-              <a:t>1/4/2016</a:t>
+              <a:t>1/10/2016</a:t>
             </a:fld>
             <a:endParaRPr lang="en-US"/>
           </a:p>
@@ -9382,7 +9494,7 @@
           <a:p>
             <a:fld id="{C015B35D-0DE3-4E2E-B8B8-BA3B0EA8E074}" type="datetimeFigureOut">
               <a:rPr lang="en-US" smtClean="0"/>
-              <a:t>1/4/2016</a:t>
+              <a:t>1/10/2016</a:t>
             </a:fld>
             <a:endParaRPr lang="en-US"/>
           </a:p>
@@ -9472,7 +9584,7 @@
           <a:p>
             <a:fld id="{C015B35D-0DE3-4E2E-B8B8-BA3B0EA8E074}" type="datetimeFigureOut">
               <a:rPr lang="en-US" smtClean="0"/>
-              <a:t>1/4/2016</a:t>
+              <a:t>1/10/2016</a:t>
             </a:fld>
             <a:endParaRPr lang="en-US"/>
           </a:p>
@@ -9953,7 +10065,7 @@
           <a:p>
             <a:fld id="{C015B35D-0DE3-4E2E-B8B8-BA3B0EA8E074}" type="datetimeFigureOut">
               <a:rPr lang="en-US" smtClean="0"/>
-              <a:t>1/4/2016</a:t>
+              <a:t>1/10/2016</a:t>
             </a:fld>
             <a:endParaRPr lang="en-US"/>
           </a:p>
@@ -10241,7 +10353,7 @@
           <a:p>
             <a:fld id="{C015B35D-0DE3-4E2E-B8B8-BA3B0EA8E074}" type="datetimeFigureOut">
               <a:rPr lang="en-US" smtClean="0"/>
-              <a:t>1/4/2016</a:t>
+              <a:t>1/10/2016</a:t>
             </a:fld>
             <a:endParaRPr lang="en-US"/>
           </a:p>
@@ -10713,7 +10825,7 @@
           <a:p>
             <a:fld id="{C015B35D-0DE3-4E2E-B8B8-BA3B0EA8E074}" type="datetimeFigureOut">
               <a:rPr lang="en-US" smtClean="0"/>
-              <a:t>1/4/2016</a:t>
+              <a:t>1/10/2016</a:t>
             </a:fld>
             <a:endParaRPr lang="en-US"/>
           </a:p>
@@ -10888,7 +11000,7 @@
           <a:p>
             <a:fld id="{C015B35D-0DE3-4E2E-B8B8-BA3B0EA8E074}" type="datetimeFigureOut">
               <a:rPr lang="en-US" smtClean="0"/>
-              <a:t>1/4/2016</a:t>
+              <a:t>1/10/2016</a:t>
             </a:fld>
             <a:endParaRPr lang="en-US"/>
           </a:p>
@@ -11058,7 +11170,7 @@
           <a:p>
             <a:fld id="{C015B35D-0DE3-4E2E-B8B8-BA3B0EA8E074}" type="datetimeFigureOut">
               <a:rPr lang="en-US" smtClean="0"/>
-              <a:t>1/4/2016</a:t>
+              <a:t>1/10/2016</a:t>
             </a:fld>
             <a:endParaRPr lang="en-US"/>
           </a:p>
@@ -11547,7 +11659,7 @@
           <a:p>
             <a:fld id="{C015B35D-0DE3-4E2E-B8B8-BA3B0EA8E074}" type="datetimeFigureOut">
               <a:rPr lang="en-US" smtClean="0"/>
-              <a:t>1/4/2016</a:t>
+              <a:t>1/10/2016</a:t>
             </a:fld>
             <a:endParaRPr lang="en-US"/>
           </a:p>
@@ -11660,7 +11772,7 @@
           <a:p>
             <a:fld id="{C015B35D-0DE3-4E2E-B8B8-BA3B0EA8E074}" type="datetimeFigureOut">
               <a:rPr lang="en-US" smtClean="0"/>
-              <a:t>1/4/2016</a:t>
+              <a:t>1/10/2016</a:t>
             </a:fld>
             <a:endParaRPr lang="en-US"/>
           </a:p>
@@ -11783,7 +11895,7 @@
           <a:p>
             <a:fld id="{C015B35D-0DE3-4E2E-B8B8-BA3B0EA8E074}" type="datetimeFigureOut">
               <a:rPr lang="en-US" smtClean="0"/>
-              <a:t>1/4/2016</a:t>
+              <a:t>1/10/2016</a:t>
             </a:fld>
             <a:endParaRPr lang="en-US"/>
           </a:p>
@@ -11972,7 +12084,7 @@
           <a:p>
             <a:fld id="{C015B35D-0DE3-4E2E-B8B8-BA3B0EA8E074}" type="datetimeFigureOut">
               <a:rPr lang="en-US" smtClean="0"/>
-              <a:t>1/4/2016</a:t>
+              <a:t>1/10/2016</a:t>
             </a:fld>
             <a:endParaRPr lang="en-US"/>
           </a:p>
@@ -12355,7 +12467,7 @@
           <a:p>
             <a:fld id="{C015B35D-0DE3-4E2E-B8B8-BA3B0EA8E074}" type="datetimeFigureOut">
               <a:rPr lang="en-US" smtClean="0"/>
-              <a:t>1/4/2016</a:t>
+              <a:t>1/10/2016</a:t>
             </a:fld>
             <a:endParaRPr lang="en-US"/>
           </a:p>
@@ -12591,7 +12703,7 @@
           <a:p>
             <a:fld id="{C015B35D-0DE3-4E2E-B8B8-BA3B0EA8E074}" type="datetimeFigureOut">
               <a:rPr lang="en-US" smtClean="0"/>
-              <a:t>1/4/2016</a:t>
+              <a:t>1/10/2016</a:t>
             </a:fld>
             <a:endParaRPr lang="en-US"/>
           </a:p>
@@ -13166,7 +13278,7 @@
           <a:p>
             <a:fld id="{C015B35D-0DE3-4E2E-B8B8-BA3B0EA8E074}" type="datetimeFigureOut">
               <a:rPr lang="en-US" smtClean="0"/>
-              <a:t>1/4/2016</a:t>
+              <a:t>1/10/2016</a:t>
             </a:fld>
             <a:endParaRPr lang="en-US"/>
           </a:p>
@@ -13932,7 +14044,7 @@
           <a:p>
             <a:fld id="{C015B35D-0DE3-4E2E-B8B8-BA3B0EA8E074}" type="datetimeFigureOut">
               <a:rPr lang="en-US" smtClean="0"/>
-              <a:t>1/4/2016</a:t>
+              <a:t>1/10/2016</a:t>
             </a:fld>
             <a:endParaRPr lang="en-US"/>
           </a:p>
@@ -14656,13 +14768,13 @@
   <p:clrMapOvr>
     <a:masterClrMapping/>
   </p:clrMapOvr>
-  <mc:AlternateContent xmlns:mc="http://schemas.openxmlformats.org/markup-compatibility/2006">
-    <mc:Choice xmlns:p14="http://schemas.microsoft.com/office/powerpoint/2010/main" Requires="p14">
+  <mc:AlternateContent xmlns:mc="http://schemas.openxmlformats.org/markup-compatibility/2006" xmlns:p14="http://schemas.microsoft.com/office/powerpoint/2010/main">
+    <mc:Choice Requires="p14">
       <p:transition spd="slow" p14:dur="3400">
         <p14:reveal/>
       </p:transition>
     </mc:Choice>
-    <mc:Fallback>
+    <mc:Fallback xmlns="">
       <p:transition spd="slow">
         <p:fade/>
       </p:transition>
@@ -15285,11 +15397,114 @@
             <p:ph idx="1"/>
           </p:nvPr>
         </p:nvSpPr>
-        <p:spPr/>
+        <p:spPr>
+          <a:ln>
+            <a:solidFill>
+              <a:schemeClr val="accent1"/>
+            </a:solidFill>
+          </a:ln>
+        </p:spPr>
         <p:txBody>
           <a:bodyPr/>
           <a:lstStyle/>
           <a:p>
+            <a:r>
+              <a:rPr lang="id-ID" dirty="0" smtClean="0"/>
+              <a:t>Menurut KBBI</a:t>
+            </a:r>
+            <a:r>
+              <a:rPr lang="id-ID" dirty="0"/>
+              <a:t>, </a:t>
+            </a:r>
+            <a:r>
+              <a:rPr lang="id-ID" dirty="0" smtClean="0"/>
+              <a:t>Sîla adalah </a:t>
+            </a:r>
+          </a:p>
+          <a:p>
+            <a:pPr lvl="1"/>
+            <a:r>
+              <a:rPr lang="id-ID" dirty="0"/>
+              <a:t>Aturan yang melatar belakangi perilaku seseorang</a:t>
+            </a:r>
+          </a:p>
+          <a:p>
+            <a:pPr lvl="1"/>
+            <a:r>
+              <a:rPr lang="id-ID" dirty="0"/>
+              <a:t>Kelakuan atau perbuatan menurut </a:t>
+            </a:r>
+            <a:r>
+              <a:rPr lang="id-ID" dirty="0" smtClean="0"/>
+              <a:t>adab</a:t>
+            </a:r>
+            <a:endParaRPr lang="id-ID" dirty="0"/>
+          </a:p>
+          <a:p>
+            <a:r>
+              <a:rPr lang="id-ID" dirty="0" smtClean="0"/>
+              <a:t>Menurut Kamus Bahasa P</a:t>
+            </a:r>
+            <a:r>
+              <a:rPr lang="id-ID" dirty="0"/>
+              <a:t>â</a:t>
+            </a:r>
+            <a:r>
+              <a:rPr lang="id-ID" dirty="0" smtClean="0"/>
+              <a:t>lî, Sîla adalah</a:t>
+            </a:r>
+          </a:p>
+          <a:p>
+            <a:pPr lvl="1"/>
+            <a:r>
+              <a:rPr lang="id-ID" dirty="0" smtClean="0"/>
+              <a:t>Aturan yang melatar belakangi perilaku seseorang</a:t>
+            </a:r>
+          </a:p>
+          <a:p>
+            <a:pPr lvl="1"/>
+            <a:r>
+              <a:rPr lang="id-ID" dirty="0" smtClean="0"/>
+              <a:t>Kelakuan atau perbuatan menurut adab</a:t>
+            </a:r>
+          </a:p>
+          <a:p>
+            <a:endParaRPr lang="id-ID" dirty="0" smtClean="0"/>
+          </a:p>
+          <a:p>
+            <a:pPr marL="0" indent="0">
+              <a:buNone/>
+            </a:pPr>
+            <a:endParaRPr lang="id-ID" dirty="0" smtClean="0"/>
+          </a:p>
+        </p:txBody>
+      </p:sp>
+      <p:sp>
+        <p:nvSpPr>
+          <p:cNvPr id="4" name="TextBox 3"/>
+          <p:cNvSpPr txBox="1"/>
+          <p:nvPr/>
+        </p:nvSpPr>
+        <p:spPr>
+          <a:xfrm>
+            <a:off x="467544" y="5459176"/>
+            <a:ext cx="6336704" cy="923330"/>
+          </a:xfrm>
+          <a:prstGeom prst="rect">
+            <a:avLst/>
+          </a:prstGeom>
+          <a:noFill/>
+        </p:spPr>
+        <p:txBody>
+          <a:bodyPr wrap="square" rtlCol="0">
+            <a:spAutoFit/>
+          </a:bodyPr>
+          <a:lstStyle/>
+          <a:p>
+            <a:r>
+              <a:rPr lang="id-ID" dirty="0" smtClean="0"/>
+              <a:t>Hakikat Sîla adalah cara untuk mengendalikan diri dari segala bentuk pikiran yang tidak baik dan usaha untuk membebaskan diri dari segala  akar kejahatan.</a:t>
+            </a:r>
             <a:endParaRPr lang="en-US" dirty="0"/>
           </a:p>
         </p:txBody>
